--- a/Semesters/SPRING 2022/1.26/1.26.pptx
+++ b/Semesters/SPRING 2022/1.26/1.26.pptx
@@ -6261,7 +6261,7 @@
         </p:blipFill>
         <p:spPr>
           <a:xfrm>
-            <a:off x="4015273" y="3512975"/>
+            <a:off x="3660710" y="3550298"/>
             <a:ext cx="4161454" cy="3021330"/>
           </a:xfrm>
           <a:prstGeom prst="rect">
